--- a/assets/gendorf_kpfilms_summary.pptx
+++ b/assets/gendorf_kpfilms_summary.pptx
@@ -3395,15 +3395,15 @@
             </a:r>
             <a:r>
               <a:rPr lang="en-US" i="1" dirty="0"/>
-              <a:t>Create a </a:t>
-            </a:r>
-            <a:r>
-              <a:rPr lang="en-US" i="1" dirty="0" err="1"/>
-              <a:t>datadashboard</a:t>
+              <a:t>Create </a:t>
+            </a:r>
+            <a:r>
+              <a:rPr lang="en-US" i="1"/>
+              <a:t>a data dashboard </a:t>
             </a:r>
             <a:r>
               <a:rPr lang="en-US" i="1" dirty="0"/>
-              <a:t> that is user friendly – visually appealing</a:t>
+              <a:t>that is user friendly – visually appealing</a:t>
             </a:r>
           </a:p>
           <a:p>
